--- a/04 - Cr MagOpt/Picture/Decay.pptx
+++ b/04 - Cr MagOpt/Picture/Decay.pptx
@@ -7,7 +7,7 @@
   <p:sldIdLst>
     <p:sldId id="256" r:id="rId2"/>
   </p:sldIdLst>
-  <p:sldSz cx="8807450" cy="4824413"/>
+  <p:sldSz cx="9001125" cy="4824413"/>
   <p:notesSz cx="6858000" cy="9144000"/>
   <p:defaultTextStyle>
     <a:defPPr>
@@ -136,8 +136,8 @@
         </p:nvSpPr>
         <p:spPr>
           <a:xfrm>
-            <a:off x="660560" y="1498696"/>
-            <a:ext cx="7486332" cy="1034122"/>
+            <a:off x="675087" y="1498696"/>
+            <a:ext cx="7650956" cy="1034122"/>
           </a:xfrm>
         </p:spPr>
         <p:txBody>
@@ -164,8 +164,8 @@
         </p:nvSpPr>
         <p:spPr>
           <a:xfrm>
-            <a:off x="1321118" y="2733834"/>
-            <a:ext cx="6165215" cy="1232906"/>
+            <a:off x="1350173" y="2733834"/>
+            <a:ext cx="6300787" cy="1232906"/>
           </a:xfrm>
         </p:spPr>
         <p:txBody>
@@ -288,7 +288,7 @@
           <a:p>
             <a:fld id="{D311A911-8E70-4AF3-BC11-97B34F285647}" type="datetimeFigureOut">
               <a:rPr lang="fr-FR" smtClean="0"/>
-              <a:t>22/03/2017</a:t>
+              <a:t>31/03/2017</a:t>
             </a:fld>
             <a:endParaRPr lang="fr-FR"/>
           </a:p>
@@ -458,7 +458,7 @@
           <a:p>
             <a:fld id="{D311A911-8E70-4AF3-BC11-97B34F285647}" type="datetimeFigureOut">
               <a:rPr lang="fr-FR" smtClean="0"/>
-              <a:t>22/03/2017</a:t>
+              <a:t>31/03/2017</a:t>
             </a:fld>
             <a:endParaRPr lang="fr-FR"/>
           </a:p>
@@ -548,8 +548,8 @@
         </p:nvSpPr>
         <p:spPr>
           <a:xfrm>
-            <a:off x="3370073" y="247922"/>
-            <a:ext cx="1044357" cy="5286752"/>
+            <a:off x="3444181" y="247922"/>
+            <a:ext cx="1067323" cy="5286752"/>
           </a:xfrm>
         </p:spPr>
         <p:txBody>
@@ -576,8 +576,8 @@
         </p:nvSpPr>
         <p:spPr>
           <a:xfrm>
-            <a:off x="232419" y="247922"/>
-            <a:ext cx="2990863" cy="5286752"/>
+            <a:off x="237531" y="247922"/>
+            <a:ext cx="3056632" cy="5286752"/>
           </a:xfrm>
         </p:spPr>
         <p:txBody>
@@ -638,7 +638,7 @@
           <a:p>
             <a:fld id="{D311A911-8E70-4AF3-BC11-97B34F285647}" type="datetimeFigureOut">
               <a:rPr lang="fr-FR" smtClean="0"/>
-              <a:t>22/03/2017</a:t>
+              <a:t>31/03/2017</a:t>
             </a:fld>
             <a:endParaRPr lang="fr-FR"/>
           </a:p>
@@ -808,7 +808,7 @@
           <a:p>
             <a:fld id="{D311A911-8E70-4AF3-BC11-97B34F285647}" type="datetimeFigureOut">
               <a:rPr lang="fr-FR" smtClean="0"/>
-              <a:t>22/03/2017</a:t>
+              <a:t>31/03/2017</a:t>
             </a:fld>
             <a:endParaRPr lang="fr-FR"/>
           </a:p>
@@ -898,8 +898,8 @@
         </p:nvSpPr>
         <p:spPr>
           <a:xfrm>
-            <a:off x="695728" y="3100133"/>
-            <a:ext cx="7486332" cy="958182"/>
+            <a:off x="711029" y="3100133"/>
+            <a:ext cx="7650956" cy="958182"/>
           </a:xfrm>
         </p:spPr>
         <p:txBody>
@@ -930,8 +930,8 @@
         </p:nvSpPr>
         <p:spPr>
           <a:xfrm>
-            <a:off x="695728" y="2044793"/>
-            <a:ext cx="7486332" cy="1055340"/>
+            <a:off x="711029" y="2044793"/>
+            <a:ext cx="7650956" cy="1055340"/>
           </a:xfrm>
         </p:spPr>
         <p:txBody>
@@ -1054,7 +1054,7 @@
           <a:p>
             <a:fld id="{D311A911-8E70-4AF3-BC11-97B34F285647}" type="datetimeFigureOut">
               <a:rPr lang="fr-FR" smtClean="0"/>
-              <a:t>22/03/2017</a:t>
+              <a:t>31/03/2017</a:t>
             </a:fld>
             <a:endParaRPr lang="fr-FR"/>
           </a:p>
@@ -1167,8 +1167,8 @@
         </p:nvSpPr>
         <p:spPr>
           <a:xfrm>
-            <a:off x="232420" y="1446208"/>
-            <a:ext cx="2016845" cy="4088466"/>
+            <a:off x="237533" y="1446208"/>
+            <a:ext cx="2061195" cy="4088466"/>
           </a:xfrm>
         </p:spPr>
         <p:txBody>
@@ -1252,8 +1252,8 @@
         </p:nvSpPr>
         <p:spPr>
           <a:xfrm>
-            <a:off x="2396056" y="1446208"/>
-            <a:ext cx="2018375" cy="4088466"/>
+            <a:off x="2448748" y="1446208"/>
+            <a:ext cx="2062758" cy="4088466"/>
           </a:xfrm>
         </p:spPr>
         <p:txBody>
@@ -1342,7 +1342,7 @@
           <a:p>
             <a:fld id="{D311A911-8E70-4AF3-BC11-97B34F285647}" type="datetimeFigureOut">
               <a:rPr lang="fr-FR" smtClean="0"/>
-              <a:t>22/03/2017</a:t>
+              <a:t>31/03/2017</a:t>
             </a:fld>
             <a:endParaRPr lang="fr-FR"/>
           </a:p>
@@ -1432,8 +1432,8 @@
         </p:nvSpPr>
         <p:spPr>
           <a:xfrm>
-            <a:off x="440373" y="193200"/>
-            <a:ext cx="7926706" cy="804069"/>
+            <a:off x="450058" y="193205"/>
+            <a:ext cx="8101014" cy="804069"/>
           </a:xfrm>
         </p:spPr>
         <p:txBody>
@@ -1464,8 +1464,8 @@
         </p:nvSpPr>
         <p:spPr>
           <a:xfrm>
-            <a:off x="440373" y="1079909"/>
-            <a:ext cx="3891486" cy="450055"/>
+            <a:off x="450058" y="1079914"/>
+            <a:ext cx="3977058" cy="450055"/>
           </a:xfrm>
         </p:spPr>
         <p:txBody>
@@ -1529,8 +1529,8 @@
         </p:nvSpPr>
         <p:spPr>
           <a:xfrm>
-            <a:off x="440373" y="1529964"/>
-            <a:ext cx="3891486" cy="2779622"/>
+            <a:off x="450058" y="1529964"/>
+            <a:ext cx="3977058" cy="2779622"/>
           </a:xfrm>
         </p:spPr>
         <p:txBody>
@@ -1614,8 +1614,8 @@
         </p:nvSpPr>
         <p:spPr>
           <a:xfrm>
-            <a:off x="4474063" y="1079909"/>
-            <a:ext cx="3893016" cy="450055"/>
+            <a:off x="4572447" y="1079914"/>
+            <a:ext cx="3978624" cy="450055"/>
           </a:xfrm>
         </p:spPr>
         <p:txBody>
@@ -1679,8 +1679,8 @@
         </p:nvSpPr>
         <p:spPr>
           <a:xfrm>
-            <a:off x="4474063" y="1529964"/>
-            <a:ext cx="3893016" cy="2779622"/>
+            <a:off x="4572447" y="1529964"/>
+            <a:ext cx="3978624" cy="2779622"/>
           </a:xfrm>
         </p:spPr>
         <p:txBody>
@@ -1769,7 +1769,7 @@
           <a:p>
             <a:fld id="{D311A911-8E70-4AF3-BC11-97B34F285647}" type="datetimeFigureOut">
               <a:rPr lang="fr-FR" smtClean="0"/>
-              <a:t>22/03/2017</a:t>
+              <a:t>31/03/2017</a:t>
             </a:fld>
             <a:endParaRPr lang="fr-FR"/>
           </a:p>
@@ -1887,7 +1887,7 @@
           <a:p>
             <a:fld id="{D311A911-8E70-4AF3-BC11-97B34F285647}" type="datetimeFigureOut">
               <a:rPr lang="fr-FR" smtClean="0"/>
-              <a:t>22/03/2017</a:t>
+              <a:t>31/03/2017</a:t>
             </a:fld>
             <a:endParaRPr lang="fr-FR"/>
           </a:p>
@@ -1982,7 +1982,7 @@
           <a:p>
             <a:fld id="{D311A911-8E70-4AF3-BC11-97B34F285647}" type="datetimeFigureOut">
               <a:rPr lang="fr-FR" smtClean="0"/>
-              <a:t>22/03/2017</a:t>
+              <a:t>31/03/2017</a:t>
             </a:fld>
             <a:endParaRPr lang="fr-FR"/>
           </a:p>
@@ -2072,8 +2072,8 @@
         </p:nvSpPr>
         <p:spPr>
           <a:xfrm>
-            <a:off x="440374" y="192083"/>
-            <a:ext cx="2897591" cy="817470"/>
+            <a:off x="450059" y="192083"/>
+            <a:ext cx="2961309" cy="817470"/>
           </a:xfrm>
         </p:spPr>
         <p:txBody>
@@ -2104,8 +2104,8 @@
         </p:nvSpPr>
         <p:spPr>
           <a:xfrm>
-            <a:off x="3443469" y="192083"/>
-            <a:ext cx="4923609" cy="4117503"/>
+            <a:off x="3519194" y="192088"/>
+            <a:ext cx="5031878" cy="4117503"/>
           </a:xfrm>
         </p:spPr>
         <p:txBody>
@@ -2189,8 +2189,8 @@
         </p:nvSpPr>
         <p:spPr>
           <a:xfrm>
-            <a:off x="440374" y="1009554"/>
-            <a:ext cx="2897591" cy="3300033"/>
+            <a:off x="450059" y="1009559"/>
+            <a:ext cx="2961309" cy="3300033"/>
           </a:xfrm>
         </p:spPr>
         <p:txBody>
@@ -2259,7 +2259,7 @@
           <a:p>
             <a:fld id="{D311A911-8E70-4AF3-BC11-97B34F285647}" type="datetimeFigureOut">
               <a:rPr lang="fr-FR" smtClean="0"/>
-              <a:t>22/03/2017</a:t>
+              <a:t>31/03/2017</a:t>
             </a:fld>
             <a:endParaRPr lang="fr-FR"/>
           </a:p>
@@ -2349,8 +2349,8 @@
         </p:nvSpPr>
         <p:spPr>
           <a:xfrm>
-            <a:off x="1726323" y="3377089"/>
-            <a:ext cx="5284470" cy="398685"/>
+            <a:off x="1764287" y="3377094"/>
+            <a:ext cx="5400675" cy="398685"/>
           </a:xfrm>
         </p:spPr>
         <p:txBody>
@@ -2381,8 +2381,8 @@
         </p:nvSpPr>
         <p:spPr>
           <a:xfrm>
-            <a:off x="1726323" y="431070"/>
-            <a:ext cx="5284470" cy="2894648"/>
+            <a:off x="1764287" y="431070"/>
+            <a:ext cx="5400675" cy="2894648"/>
           </a:xfrm>
         </p:spPr>
         <p:txBody>
@@ -2442,8 +2442,8 @@
         </p:nvSpPr>
         <p:spPr>
           <a:xfrm>
-            <a:off x="1726323" y="3775774"/>
-            <a:ext cx="5284470" cy="566198"/>
+            <a:off x="1764287" y="3775774"/>
+            <a:ext cx="5400675" cy="566198"/>
           </a:xfrm>
         </p:spPr>
         <p:txBody>
@@ -2512,7 +2512,7 @@
           <a:p>
             <a:fld id="{D311A911-8E70-4AF3-BC11-97B34F285647}" type="datetimeFigureOut">
               <a:rPr lang="fr-FR" smtClean="0"/>
-              <a:t>22/03/2017</a:t>
+              <a:t>31/03/2017</a:t>
             </a:fld>
             <a:endParaRPr lang="fr-FR"/>
           </a:p>
@@ -2607,8 +2607,8 @@
         </p:nvSpPr>
         <p:spPr>
           <a:xfrm>
-            <a:off x="440373" y="193200"/>
-            <a:ext cx="7926706" cy="804069"/>
+            <a:off x="450058" y="193205"/>
+            <a:ext cx="8101014" cy="804069"/>
           </a:xfrm>
           <a:prstGeom prst="rect">
             <a:avLst/>
@@ -2640,8 +2640,8 @@
         </p:nvSpPr>
         <p:spPr>
           <a:xfrm>
-            <a:off x="440373" y="1125696"/>
-            <a:ext cx="7926706" cy="3183890"/>
+            <a:off x="450058" y="1125696"/>
+            <a:ext cx="8101014" cy="3183890"/>
           </a:xfrm>
           <a:prstGeom prst="rect">
             <a:avLst/>
@@ -2702,8 +2702,8 @@
         </p:nvSpPr>
         <p:spPr>
           <a:xfrm>
-            <a:off x="440373" y="4471517"/>
-            <a:ext cx="2055071" cy="256855"/>
+            <a:off x="450057" y="4471522"/>
+            <a:ext cx="2100262" cy="256855"/>
           </a:xfrm>
           <a:prstGeom prst="rect">
             <a:avLst/>
@@ -2725,7 +2725,7 @@
           <a:p>
             <a:fld id="{D311A911-8E70-4AF3-BC11-97B34F285647}" type="datetimeFigureOut">
               <a:rPr lang="fr-FR" smtClean="0"/>
-              <a:t>22/03/2017</a:t>
+              <a:t>31/03/2017</a:t>
             </a:fld>
             <a:endParaRPr lang="fr-FR"/>
           </a:p>
@@ -2743,8 +2743,8 @@
         </p:nvSpPr>
         <p:spPr>
           <a:xfrm>
-            <a:off x="3009213" y="4471517"/>
-            <a:ext cx="2789026" cy="256855"/>
+            <a:off x="3075386" y="4471522"/>
+            <a:ext cx="2850356" cy="256855"/>
           </a:xfrm>
           <a:prstGeom prst="rect">
             <a:avLst/>
@@ -2780,8 +2780,8 @@
         </p:nvSpPr>
         <p:spPr>
           <a:xfrm>
-            <a:off x="6312006" y="4471517"/>
-            <a:ext cx="2055071" cy="256855"/>
+            <a:off x="6450808" y="4471522"/>
+            <a:ext cx="2100262" cy="256855"/>
           </a:xfrm>
           <a:prstGeom prst="rect">
             <a:avLst/>
@@ -3102,14 +3102,14 @@
       </p:grpSpPr>
       <p:pic>
         <p:nvPicPr>
-          <p:cNvPr id="5" name="Picture 2"/>
+          <p:cNvPr id="9" name="Picture 2"/>
           <p:cNvPicPr>
             <a:picLocks noChangeAspect="1" noChangeArrowheads="1"/>
           </p:cNvPicPr>
           <p:nvPr/>
         </p:nvPicPr>
         <p:blipFill>
-          <a:blip r:embed="rId2">
+          <a:blip r:embed="rId2" cstate="print">
             <a:extLst>
               <a:ext uri="{28A0092B-C50C-407E-A947-70E740481C1C}">
                 <a14:useLocalDpi xmlns:a14="http://schemas.microsoft.com/office/drawing/2010/main" val="0"/>
@@ -3123,8 +3123,8 @@
         </p:blipFill>
         <p:spPr bwMode="auto">
           <a:xfrm>
-            <a:off x="-12" y="-1"/>
-            <a:ext cx="9166772" cy="4824000"/>
+            <a:off x="-35942" y="12700"/>
+            <a:ext cx="9220200" cy="4800600"/>
           </a:xfrm>
           <a:prstGeom prst="rect">
             <a:avLst/>
